--- a/presentation/DoCR_poster.pptx
+++ b/presentation/DoCR_poster.pptx
@@ -4309,7 +4309,7 @@
                     <a:schemeClr val="bg1"/>
                   </a:solidFill>
                 </a:rPr>
-                <a:t>Overhead, RTT and Throughput</a:t>
+                <a:t>Accuracy and RTT</a:t>
               </a:r>
               <a:endParaRPr lang="zh-CN" altLang="en-US" sz="5800" dirty="0">
                 <a:solidFill>
@@ -4929,7 +4929,7 @@
                     <a:schemeClr val="bg1"/>
                   </a:solidFill>
                 </a:rPr>
-                <a:t>Implementation, more detail: </a:t>
+                <a:t>Implementation, more details: </a:t>
               </a:r>
               <a:r>
                 <a:rPr lang="en-US" altLang="zh-CN" sz="3500" dirty="0">
@@ -5614,6 +5614,118 @@
           </p:txBody>
         </p:sp>
       </p:grpSp>
+      <p:sp>
+        <p:nvSpPr>
+          <p:cNvPr id="63" name="文本框 62">
+            <a:extLst>
+              <a:ext uri="{FF2B5EF4-FFF2-40B4-BE49-F238E27FC236}">
+                <a16:creationId xmlns:a16="http://schemas.microsoft.com/office/drawing/2014/main" id="{CD4EB425-80FD-4812-8ED6-8B171CFC6263}"/>
+              </a:ext>
+            </a:extLst>
+          </p:cNvPr>
+          <p:cNvSpPr txBox="1"/>
+          <p:nvPr/>
+        </p:nvSpPr>
+        <p:spPr>
+          <a:xfrm>
+            <a:off x="7574657" y="30948933"/>
+            <a:ext cx="13816909" cy="1169551"/>
+          </a:xfrm>
+          <a:prstGeom prst="rect">
+            <a:avLst/>
+          </a:prstGeom>
+          <a:noFill/>
+        </p:spPr>
+        <p:txBody>
+          <a:bodyPr wrap="square" rtlCol="0">
+            <a:spAutoFit/>
+          </a:bodyPr>
+          <a:lstStyle/>
+          <a:p>
+            <a:pPr algn="r"/>
+            <a:r>
+              <a:rPr lang="en-US" altLang="zh-CN" sz="3500" dirty="0">
+                <a:solidFill>
+                  <a:schemeClr val="bg2">
+                    <a:lumMod val="25000"/>
+                  </a:schemeClr>
+                </a:solidFill>
+              </a:rPr>
+              <a:t>CRAQ paper: https://pdos.csail.mit.edu/6.824/papers/craq.pdf</a:t>
+            </a:r>
+          </a:p>
+          <a:p>
+            <a:pPr algn="r"/>
+            <a:r>
+              <a:rPr lang="en-US" altLang="zh-CN" sz="3500" dirty="0">
+                <a:solidFill>
+                  <a:schemeClr val="bg2">
+                    <a:lumMod val="25000"/>
+                  </a:schemeClr>
+                </a:solidFill>
+              </a:rPr>
+              <a:t>CRAQ on </a:t>
+            </a:r>
+            <a:r>
+              <a:rPr lang="en-US" altLang="zh-CN" sz="3500" dirty="0" err="1">
+                <a:solidFill>
+                  <a:schemeClr val="bg2">
+                    <a:lumMod val="25000"/>
+                  </a:schemeClr>
+                </a:solidFill>
+              </a:rPr>
+              <a:t>Go:https</a:t>
+            </a:r>
+            <a:r>
+              <a:rPr lang="en-US" altLang="zh-CN" sz="3500" dirty="0">
+                <a:solidFill>
+                  <a:schemeClr val="bg2">
+                    <a:lumMod val="25000"/>
+                  </a:schemeClr>
+                </a:solidFill>
+              </a:rPr>
+              <a:t>://github.com/</a:t>
+            </a:r>
+            <a:r>
+              <a:rPr lang="en-US" altLang="zh-CN" sz="3500" dirty="0" err="1">
+                <a:solidFill>
+                  <a:schemeClr val="bg2">
+                    <a:lumMod val="25000"/>
+                  </a:schemeClr>
+                </a:solidFill>
+              </a:rPr>
+              <a:t>despreston</a:t>
+            </a:r>
+            <a:r>
+              <a:rPr lang="en-US" altLang="zh-CN" sz="3500" dirty="0">
+                <a:solidFill>
+                  <a:schemeClr val="bg2">
+                    <a:lumMod val="25000"/>
+                  </a:schemeClr>
+                </a:solidFill>
+              </a:rPr>
+              <a:t>/go-</a:t>
+            </a:r>
+            <a:r>
+              <a:rPr lang="en-US" altLang="zh-CN" sz="3500" dirty="0" err="1">
+                <a:solidFill>
+                  <a:schemeClr val="bg2">
+                    <a:lumMod val="25000"/>
+                  </a:schemeClr>
+                </a:solidFill>
+              </a:rPr>
+              <a:t>craq</a:t>
+            </a:r>
+            <a:endParaRPr lang="zh-CN" altLang="en-US" sz="3500" dirty="0">
+              <a:solidFill>
+                <a:schemeClr val="bg2">
+                  <a:lumMod val="25000"/>
+                </a:schemeClr>
+              </a:solidFill>
+            </a:endParaRPr>
+          </a:p>
+        </p:txBody>
+      </p:sp>
     </p:spTree>
     <p:extLst>
       <p:ext uri="{BB962C8B-B14F-4D97-AF65-F5344CB8AC3E}">
